--- a/simtime_figure.pptx
+++ b/simtime_figure.pptx
@@ -4430,7 +4430,7 @@
                     <a:p>
                       <a:pPr algn="ctr" fontAlgn="b"/>
                       <a:r>
-                        <a:rPr lang="en-US" sz="1800" b="0" i="0" u="none" strike="noStrike">
+                        <a:rPr lang="en-US" sz="1800" b="0" i="0" u="none" strike="noStrike" dirty="0">
                           <a:solidFill>
                             <a:srgbClr val="000000"/>
                           </a:solidFill>
@@ -4439,13 +4439,6 @@
                         </a:rPr>
                         <a:t>&lt;0.001</a:t>
                       </a:r>
-                      <a:endParaRPr lang="en-US" sz="1800" b="0" i="0" u="none" strike="noStrike" dirty="0">
-                        <a:solidFill>
-                          <a:srgbClr val="000000"/>
-                        </a:solidFill>
-                        <a:effectLst/>
-                        <a:latin typeface="Calibri" panose="020F0502020204030204" pitchFamily="34" charset="0"/>
-                      </a:endParaRPr>
                     </a:p>
                   </a:txBody>
                   <a:tcPr marL="9525" marR="9525" marT="9525" marB="0" anchor="ctr">
@@ -4899,7 +4892,7 @@
                     <a:p>
                       <a:pPr algn="ctr" fontAlgn="b"/>
                       <a:r>
-                        <a:rPr lang="en-US" sz="1800" b="0" i="0" u="none" strike="noStrike">
+                        <a:rPr lang="en-US" sz="1800" b="0" i="0" u="none" strike="noStrike" dirty="0">
                           <a:solidFill>
                             <a:srgbClr val="000000"/>
                           </a:solidFill>
@@ -5477,7 +5470,7 @@
                     <a:p>
                       <a:pPr algn="ctr" fontAlgn="b"/>
                       <a:r>
-                        <a:rPr lang="en-US" sz="1800" b="0" i="0" u="none" strike="noStrike">
+                        <a:rPr lang="en-US" sz="1800" b="0" i="0" u="none" strike="noStrike" dirty="0">
                           <a:solidFill>
                             <a:srgbClr val="000000"/>
                           </a:solidFill>
@@ -6055,7 +6048,7 @@
                     <a:p>
                       <a:pPr algn="ctr" fontAlgn="b"/>
                       <a:r>
-                        <a:rPr lang="en-US" sz="1800" b="0" i="0" u="none" strike="noStrike">
+                        <a:rPr lang="en-US" sz="1800" b="0" i="0" u="none" strike="noStrike" dirty="0">
                           <a:solidFill>
                             <a:srgbClr val="000000"/>
                           </a:solidFill>
@@ -6517,7 +6510,7 @@
                     <a:p>
                       <a:pPr algn="ctr" fontAlgn="b"/>
                       <a:r>
-                        <a:rPr lang="en-US" sz="1800" b="0" i="0" u="none" strike="noStrike">
+                        <a:rPr lang="en-US" sz="1800" b="0" i="0" u="none" strike="noStrike" dirty="0">
                           <a:solidFill>
                             <a:srgbClr val="000000"/>
                           </a:solidFill>
